--- a/Babette/Presentation_BB.pptx
+++ b/Babette/Presentation_BB.pptx
@@ -8,11 +8,12 @@
     <p:sldId id="256" r:id="rId2"/>
     <p:sldId id="257" r:id="rId3"/>
     <p:sldId id="258" r:id="rId4"/>
-    <p:sldId id="259" r:id="rId5"/>
-    <p:sldId id="261" r:id="rId6"/>
-    <p:sldId id="262" r:id="rId7"/>
-    <p:sldId id="263" r:id="rId8"/>
-    <p:sldId id="260" r:id="rId9"/>
+    <p:sldId id="264" r:id="rId5"/>
+    <p:sldId id="259" r:id="rId6"/>
+    <p:sldId id="261" r:id="rId7"/>
+    <p:sldId id="262" r:id="rId8"/>
+    <p:sldId id="263" r:id="rId9"/>
+    <p:sldId id="260" r:id="rId10"/>
   </p:sldIdLst>
   <p:sldSz cx="12192000" cy="6858000"/>
   <p:notesSz cx="6858000" cy="9144000"/>
@@ -111,6 +112,11 @@
       </a:defRPr>
     </a:lvl9pPr>
   </p:defaultTextStyle>
+  <p:extLst>
+    <p:ext uri="{EFAFB233-063F-42B5-8137-9DF3F51BA10A}">
+      <p15:sldGuideLst xmlns:p15="http://schemas.microsoft.com/office/powerpoint/2012/main"/>
+    </p:ext>
+  </p:extLst>
 </p:presentation>
 </file>
 
@@ -3666,12 +3672,14 @@
         </p:nvSpPr>
         <p:spPr>
           <a:xfrm>
-            <a:off x="838200" y="1825624"/>
+            <a:off x="838200" y="1639404"/>
             <a:ext cx="10515600" cy="4853471"/>
           </a:xfrm>
         </p:spPr>
         <p:txBody>
-          <a:bodyPr/>
+          <a:bodyPr>
+            <a:normAutofit/>
+          </a:bodyPr>
           <a:lstStyle/>
           <a:p>
             <a:r>
@@ -3683,50 +3691,28 @@
             <a:pPr lvl="1"/>
             <a:r>
               <a:rPr lang="en-AU" dirty="0"/>
-              <a:t>Where are the top 100 Restaurants in Australia?</a:t>
-            </a:r>
-          </a:p>
-          <a:p>
+              <a:t>We always believe Melbourne is the cultural capital in Australia and renowned for its fine dining.</a:t>
+            </a:r>
+          </a:p>
+          <a:p>
+            <a:pPr lvl="1"/>
             <a:r>
               <a:rPr lang="en-AU" dirty="0"/>
-              <a:t>Our hypothesis: </a:t>
-            </a:r>
+              <a:t>We are going to explore to top restaurants across the five largest cities to confirm whether Melbourne is the best! </a:t>
+            </a:r>
+            <a:r>
+              <a:rPr lang="en-AU" dirty="0">
+                <a:sym typeface="Wingdings" panose="05000000000000000000" pitchFamily="2" charset="2"/>
+              </a:rPr>
+              <a:t></a:t>
+            </a:r>
+            <a:endParaRPr lang="en-AU" dirty="0"/>
           </a:p>
           <a:p>
             <a:pPr marL="457200" lvl="1" indent="0">
               <a:buNone/>
             </a:pPr>
-            <a:r>
-              <a:rPr lang="en-AU" dirty="0"/>
-              <a:t>We expect the majority of the best restaurants to be in Melbourne and Sydney.</a:t>
-            </a:r>
-          </a:p>
-          <a:p>
-            <a:r>
-              <a:rPr lang="en-AU" dirty="0"/>
-              <a:t>Sub-questions:</a:t>
-            </a:r>
-          </a:p>
-          <a:p>
-            <a:pPr lvl="1"/>
-            <a:r>
-              <a:rPr lang="en-AU" dirty="0"/>
-              <a:t>What do we mean by Top 100? How do we define what the best restaurants are?</a:t>
-            </a:r>
-          </a:p>
-          <a:p>
-            <a:pPr lvl="1"/>
-            <a:r>
-              <a:rPr lang="en-GB" dirty="0"/>
-              <a:t>Are there any differences between cities?</a:t>
-            </a:r>
-          </a:p>
-          <a:p>
-            <a:pPr lvl="1"/>
-            <a:r>
-              <a:rPr lang="en-GB" dirty="0"/>
-              <a:t>Is there a correlation between price and user ratings?</a:t>
-            </a:r>
+            <a:endParaRPr lang="en-GB" dirty="0"/>
           </a:p>
           <a:p>
             <a:r>
@@ -3838,13 +3824,13 @@
         </p:nvSpPr>
         <p:spPr>
           <a:xfrm>
-            <a:off x="710647" y="1445869"/>
-            <a:ext cx="10770705" cy="5028164"/>
+            <a:off x="710647" y="1445868"/>
+            <a:ext cx="9533283" cy="5246479"/>
           </a:xfrm>
         </p:spPr>
         <p:txBody>
           <a:bodyPr>
-            <a:normAutofit fontScale="92500" lnSpcReduction="20000"/>
+            <a:normAutofit/>
           </a:bodyPr>
           <a:lstStyle/>
           <a:p>
@@ -3907,33 +3893,6 @@
             <a:r>
               <a:rPr lang="en-AU" dirty="0"/>
               <a:t>We were interested in best restaurants where most Australians live.</a:t>
-            </a:r>
-          </a:p>
-          <a:p>
-            <a:r>
-              <a:rPr lang="en-AU" dirty="0"/>
-              <a:t>Cleaning the data</a:t>
-            </a:r>
-          </a:p>
-          <a:p>
-            <a:pPr lvl="1"/>
-            <a:r>
-              <a:rPr lang="en-AU" dirty="0"/>
-              <a:t>The data was really clean</a:t>
-            </a:r>
-          </a:p>
-          <a:p>
-            <a:pPr lvl="1"/>
-            <a:r>
-              <a:rPr lang="en-AU" dirty="0"/>
-              <a:t>Removal of three rows due to ‘Average Cost for two’ not relevant</a:t>
-            </a:r>
-          </a:p>
-          <a:p>
-            <a:pPr lvl="1"/>
-            <a:r>
-              <a:rPr lang="en-AU" dirty="0"/>
-              <a:t>22 missing Zip codes – didn’t remove the rows as we didn’t need them for our analysis</a:t>
             </a:r>
           </a:p>
         </p:txBody>
@@ -3990,6 +3949,116 @@
 <file path=ppt/slides/slide4.xml><?xml version="1.0" encoding="utf-8"?>
 <p:sld xmlns:a="http://schemas.openxmlformats.org/drawingml/2006/main" xmlns:r="http://schemas.openxmlformats.org/officeDocument/2006/relationships" xmlns:p="http://schemas.openxmlformats.org/presentationml/2006/main">
   <p:cSld>
+    <p:spTree>
+      <p:nvGrpSpPr>
+        <p:cNvPr id="1" name=""/>
+        <p:cNvGrpSpPr/>
+        <p:nvPr/>
+      </p:nvGrpSpPr>
+      <p:grpSpPr>
+        <a:xfrm>
+          <a:off x="0" y="0"/>
+          <a:ext cx="0" cy="0"/>
+          <a:chOff x="0" y="0"/>
+          <a:chExt cx="0" cy="0"/>
+        </a:xfrm>
+      </p:grpSpPr>
+      <p:sp>
+        <p:nvSpPr>
+          <p:cNvPr id="2" name="Title 1">
+            <a:extLst>
+              <a:ext uri="{FF2B5EF4-FFF2-40B4-BE49-F238E27FC236}">
+                <a16:creationId xmlns:a16="http://schemas.microsoft.com/office/drawing/2014/main" id="{9F0A6681-9EF5-4A40-A63A-0AFDE6A9C36A}"/>
+              </a:ext>
+            </a:extLst>
+          </p:cNvPr>
+          <p:cNvSpPr>
+            <a:spLocks noGrp="1"/>
+          </p:cNvSpPr>
+          <p:nvPr>
+            <p:ph type="title"/>
+          </p:nvPr>
+        </p:nvSpPr>
+        <p:spPr/>
+        <p:txBody>
+          <a:bodyPr/>
+          <a:lstStyle/>
+          <a:p>
+            <a:r>
+              <a:rPr lang="en-AU" dirty="0"/>
+              <a:t>Cleaning data screen shot</a:t>
+            </a:r>
+          </a:p>
+        </p:txBody>
+      </p:sp>
+      <p:sp>
+        <p:nvSpPr>
+          <p:cNvPr id="3" name="Content Placeholder 2">
+            <a:extLst>
+              <a:ext uri="{FF2B5EF4-FFF2-40B4-BE49-F238E27FC236}">
+                <a16:creationId xmlns:a16="http://schemas.microsoft.com/office/drawing/2014/main" id="{FF8B8B12-45A9-4EA5-A609-F72BC99E545F}"/>
+              </a:ext>
+            </a:extLst>
+          </p:cNvPr>
+          <p:cNvSpPr>
+            <a:spLocks noGrp="1"/>
+          </p:cNvSpPr>
+          <p:nvPr>
+            <p:ph idx="1"/>
+          </p:nvPr>
+        </p:nvSpPr>
+        <p:spPr/>
+        <p:txBody>
+          <a:bodyPr/>
+          <a:lstStyle/>
+          <a:p>
+            <a:r>
+              <a:rPr lang="en-AU" dirty="0"/>
+              <a:t>Cleaning the data</a:t>
+            </a:r>
+          </a:p>
+          <a:p>
+            <a:pPr lvl="1"/>
+            <a:r>
+              <a:rPr lang="en-AU" dirty="0"/>
+              <a:t>The data was really clean</a:t>
+            </a:r>
+          </a:p>
+          <a:p>
+            <a:pPr lvl="1"/>
+            <a:r>
+              <a:rPr lang="en-AU" dirty="0"/>
+              <a:t>Removal of three rows due to ‘Average Cost for two’ being not relevant</a:t>
+            </a:r>
+          </a:p>
+          <a:p>
+            <a:pPr lvl="1"/>
+            <a:r>
+              <a:rPr lang="en-AU" dirty="0"/>
+              <a:t>22 missing Zip codes – didn’t remove the rows as we didn’t need them for our analysis</a:t>
+            </a:r>
+          </a:p>
+          <a:p>
+            <a:endParaRPr lang="en-AU" dirty="0"/>
+          </a:p>
+        </p:txBody>
+      </p:sp>
+    </p:spTree>
+    <p:extLst>
+      <p:ext uri="{BB962C8B-B14F-4D97-AF65-F5344CB8AC3E}">
+        <p14:creationId xmlns:p14="http://schemas.microsoft.com/office/powerpoint/2010/main" val="2554655721"/>
+      </p:ext>
+    </p:extLst>
+  </p:cSld>
+  <p:clrMapOvr>
+    <a:masterClrMapping/>
+  </p:clrMapOvr>
+</p:sld>
+</file>
+
+<file path=ppt/slides/slide5.xml><?xml version="1.0" encoding="utf-8"?>
+<p:sld xmlns:a="http://schemas.openxmlformats.org/drawingml/2006/main" xmlns:r="http://schemas.openxmlformats.org/officeDocument/2006/relationships" xmlns:p="http://schemas.openxmlformats.org/presentationml/2006/main">
+  <p:cSld>
     <p:bg>
       <p:bgPr>
         <a:solidFill>
@@ -4206,7 +4275,7 @@
         </p:blipFill>
         <p:spPr>
           <a:xfrm>
-            <a:off x="6624361" y="2261552"/>
+            <a:off x="6624361" y="2288056"/>
             <a:ext cx="5355648" cy="4610515"/>
           </a:xfrm>
           <a:prstGeom prst="rect">
@@ -4227,7 +4296,7 @@
 </p:sld>
 </file>
 
-<file path=ppt/slides/slide5.xml><?xml version="1.0" encoding="utf-8"?>
+<file path=ppt/slides/slide6.xml><?xml version="1.0" encoding="utf-8"?>
 <p:sld xmlns:a="http://schemas.openxmlformats.org/drawingml/2006/main" xmlns:r="http://schemas.openxmlformats.org/officeDocument/2006/relationships" xmlns:p="http://schemas.openxmlformats.org/presentationml/2006/main">
   <p:cSld>
     <p:spTree>
@@ -4396,7 +4465,7 @@
 </p:sld>
 </file>
 
-<file path=ppt/slides/slide6.xml><?xml version="1.0" encoding="utf-8"?>
+<file path=ppt/slides/slide7.xml><?xml version="1.0" encoding="utf-8"?>
 <p:sld xmlns:a="http://schemas.openxmlformats.org/drawingml/2006/main" xmlns:r="http://schemas.openxmlformats.org/officeDocument/2006/relationships" xmlns:p="http://schemas.openxmlformats.org/presentationml/2006/main">
   <p:cSld>
     <p:spTree>
@@ -4429,7 +4498,12 @@
             <p:ph type="title"/>
           </p:nvPr>
         </p:nvSpPr>
-        <p:spPr/>
+        <p:spPr>
+          <a:xfrm>
+            <a:off x="838200" y="351873"/>
+            <a:ext cx="10515600" cy="1325563"/>
+          </a:xfrm>
+        </p:spPr>
         <p:txBody>
           <a:bodyPr/>
           <a:lstStyle/>
@@ -4541,7 +4615,7 @@
 </p:sld>
 </file>
 
-<file path=ppt/slides/slide7.xml><?xml version="1.0" encoding="utf-8"?>
+<file path=ppt/slides/slide8.xml><?xml version="1.0" encoding="utf-8"?>
 <p:sld xmlns:a="http://schemas.openxmlformats.org/drawingml/2006/main" xmlns:r="http://schemas.openxmlformats.org/officeDocument/2006/relationships" xmlns:p="http://schemas.openxmlformats.org/presentationml/2006/main">
   <p:cSld>
     <p:spTree>
@@ -4616,7 +4690,7 @@
         </p:blipFill>
         <p:spPr>
           <a:xfrm>
-            <a:off x="683455" y="1690688"/>
+            <a:off x="683455" y="1703940"/>
             <a:ext cx="11302218" cy="5033669"/>
           </a:xfrm>
         </p:spPr>
@@ -4634,7 +4708,7 @@
 </p:sld>
 </file>
 
-<file path=ppt/slides/slide8.xml><?xml version="1.0" encoding="utf-8"?>
+<file path=ppt/slides/slide9.xml><?xml version="1.0" encoding="utf-8"?>
 <p:sld xmlns:a="http://schemas.openxmlformats.org/drawingml/2006/main" xmlns:r="http://schemas.openxmlformats.org/officeDocument/2006/relationships" xmlns:p="http://schemas.openxmlformats.org/presentationml/2006/main">
   <p:cSld>
     <p:spTree>
@@ -4700,19 +4774,13 @@
         </p:nvSpPr>
         <p:spPr>
           <a:xfrm>
-            <a:off x="775344" y="1536700"/>
+            <a:off x="775344" y="1432851"/>
             <a:ext cx="10329978" cy="1739210"/>
           </a:xfrm>
         </p:spPr>
         <p:txBody>
           <a:bodyPr/>
           <a:lstStyle/>
-          <a:p>
-            <a:r>
-              <a:rPr lang="en-AU" sz="2000" dirty="0"/>
-              <a:t>Factor = Average cost for two / user ratings</a:t>
-            </a:r>
-          </a:p>
           <a:p>
             <a:r>
               <a:rPr lang="en-AU" sz="2000" dirty="0"/>
@@ -4749,7 +4817,7 @@
         </p:blipFill>
         <p:spPr>
           <a:xfrm>
-            <a:off x="526866" y="2300580"/>
+            <a:off x="526866" y="2302456"/>
             <a:ext cx="5106550" cy="4396073"/>
           </a:xfrm>
           <a:prstGeom prst="rect">
